--- a/figures/elevation vs snowmelt date.pptx
+++ b/figures/elevation vs snowmelt date.pptx
@@ -4,8 +4,8 @@
   <p:sldMasterIdLst>
     <p:sldMasterId id="2147483648" r:id="rId1"/>
   </p:sldMasterIdLst>
-  <p:sldIdLst xmlns:a="http://schemas.openxmlformats.org/drawingml/2006/main" xmlns:r="http://schemas.openxmlformats.org/officeDocument/2006/relationships" xmlns:p="http://schemas.openxmlformats.org/presentationml/2006/main">
-    <p:sldId id="256" r:id="rId6"/>
+  <p:sldIdLst>
+    <p:sldId id="256" r:id="rId2"/>
   </p:sldIdLst>
   <p:sldSz cx="15087600" cy="10698163"/>
   <p:notesSz cx="6858000" cy="9144000"/>
@@ -104,6 +104,22 @@
       </a:defRPr>
     </a:lvl9pPr>
   </p:defaultTextStyle>
+  <p:extLst>
+    <p:ext uri="{EFAFB233-063F-42B5-8137-9DF3F51BA10A}">
+      <p15:sldGuideLst xmlns:p15="http://schemas.microsoft.com/office/powerpoint/2012/main">
+        <p15:guide id="1" orient="horz" pos="3370">
+          <p15:clr>
+            <a:srgbClr val="A4A3A4"/>
+          </p15:clr>
+        </p15:guide>
+        <p15:guide id="2" pos="4752">
+          <p15:clr>
+            <a:srgbClr val="A4A3A4"/>
+          </p15:clr>
+        </p15:guide>
+      </p15:sldGuideLst>
+    </p:ext>
+  </p:extLst>
 </p:presentation>
 </file>
 
@@ -145,7 +161,7 @@
           <a:lstStyle/>
           <a:p>
             <a:r>
-              <a:rPr lang="en-US" smtClean="0"/>
+              <a:rPr lang="en-US"/>
               <a:t>Click to edit Master title style</a:t>
             </a:r>
             <a:endParaRPr lang="en-GB"/>
@@ -264,7 +280,7 @@
           </a:lstStyle>
           <a:p>
             <a:r>
-              <a:rPr lang="en-US" smtClean="0"/>
+              <a:rPr lang="en-US"/>
               <a:t>Click to edit Master subtitle style</a:t>
             </a:r>
             <a:endParaRPr lang="en-GB"/>
@@ -288,7 +304,7 @@
           <a:p>
             <a:fld id="{6BA5D40C-A8DC-479A-A5D3-E7B4936A184B}" type="datetimeFigureOut">
               <a:rPr lang="en-GB" smtClean="0"/>
-              <a:t>15/07/2015</a:t>
+              <a:t>05/12/2019</a:t>
             </a:fld>
             <a:endParaRPr lang="en-GB"/>
           </a:p>
@@ -382,7 +398,7 @@
           <a:lstStyle/>
           <a:p>
             <a:r>
-              <a:rPr lang="en-US" smtClean="0"/>
+              <a:rPr lang="en-US"/>
               <a:t>Click to edit Master title style</a:t>
             </a:r>
             <a:endParaRPr lang="en-GB"/>
@@ -406,35 +422,35 @@
           <a:p>
             <a:pPr lvl="0"/>
             <a:r>
-              <a:rPr lang="en-US" smtClean="0"/>
+              <a:rPr lang="en-US"/>
               <a:t>Click to edit Master text styles</a:t>
             </a:r>
           </a:p>
           <a:p>
             <a:pPr lvl="1"/>
             <a:r>
-              <a:rPr lang="en-US" smtClean="0"/>
+              <a:rPr lang="en-US"/>
               <a:t>Second level</a:t>
             </a:r>
           </a:p>
           <a:p>
             <a:pPr lvl="2"/>
             <a:r>
-              <a:rPr lang="en-US" smtClean="0"/>
+              <a:rPr lang="en-US"/>
               <a:t>Third level</a:t>
             </a:r>
           </a:p>
           <a:p>
             <a:pPr lvl="3"/>
             <a:r>
-              <a:rPr lang="en-US" smtClean="0"/>
+              <a:rPr lang="en-US"/>
               <a:t>Fourth level</a:t>
             </a:r>
           </a:p>
           <a:p>
             <a:pPr lvl="4"/>
             <a:r>
-              <a:rPr lang="en-US" smtClean="0"/>
+              <a:rPr lang="en-US"/>
               <a:t>Fifth level</a:t>
             </a:r>
             <a:endParaRPr lang="en-GB"/>
@@ -458,7 +474,7 @@
           <a:p>
             <a:fld id="{6BA5D40C-A8DC-479A-A5D3-E7B4936A184B}" type="datetimeFigureOut">
               <a:rPr lang="en-GB" smtClean="0"/>
-              <a:t>15/07/2015</a:t>
+              <a:t>05/12/2019</a:t>
             </a:fld>
             <a:endParaRPr lang="en-GB"/>
           </a:p>
@@ -557,7 +573,7 @@
           <a:lstStyle/>
           <a:p>
             <a:r>
-              <a:rPr lang="en-US" smtClean="0"/>
+              <a:rPr lang="en-US"/>
               <a:t>Click to edit Master title style</a:t>
             </a:r>
             <a:endParaRPr lang="en-GB"/>
@@ -586,35 +602,35 @@
           <a:p>
             <a:pPr lvl="0"/>
             <a:r>
-              <a:rPr lang="en-US" smtClean="0"/>
+              <a:rPr lang="en-US"/>
               <a:t>Click to edit Master text styles</a:t>
             </a:r>
           </a:p>
           <a:p>
             <a:pPr lvl="1"/>
             <a:r>
-              <a:rPr lang="en-US" smtClean="0"/>
+              <a:rPr lang="en-US"/>
               <a:t>Second level</a:t>
             </a:r>
           </a:p>
           <a:p>
             <a:pPr lvl="2"/>
             <a:r>
-              <a:rPr lang="en-US" smtClean="0"/>
+              <a:rPr lang="en-US"/>
               <a:t>Third level</a:t>
             </a:r>
           </a:p>
           <a:p>
             <a:pPr lvl="3"/>
             <a:r>
-              <a:rPr lang="en-US" smtClean="0"/>
+              <a:rPr lang="en-US"/>
               <a:t>Fourth level</a:t>
             </a:r>
           </a:p>
           <a:p>
             <a:pPr lvl="4"/>
             <a:r>
-              <a:rPr lang="en-US" smtClean="0"/>
+              <a:rPr lang="en-US"/>
               <a:t>Fifth level</a:t>
             </a:r>
             <a:endParaRPr lang="en-GB"/>
@@ -638,7 +654,7 @@
           <a:p>
             <a:fld id="{6BA5D40C-A8DC-479A-A5D3-E7B4936A184B}" type="datetimeFigureOut">
               <a:rPr lang="en-GB" smtClean="0"/>
-              <a:t>15/07/2015</a:t>
+              <a:t>05/12/2019</a:t>
             </a:fld>
             <a:endParaRPr lang="en-GB"/>
           </a:p>
@@ -732,7 +748,7 @@
           <a:lstStyle/>
           <a:p>
             <a:r>
-              <a:rPr lang="en-US" smtClean="0"/>
+              <a:rPr lang="en-US"/>
               <a:t>Click to edit Master title style</a:t>
             </a:r>
             <a:endParaRPr lang="en-GB"/>
@@ -756,35 +772,35 @@
           <a:p>
             <a:pPr lvl="0"/>
             <a:r>
-              <a:rPr lang="en-US" smtClean="0"/>
+              <a:rPr lang="en-US"/>
               <a:t>Click to edit Master text styles</a:t>
             </a:r>
           </a:p>
           <a:p>
             <a:pPr lvl="1"/>
             <a:r>
-              <a:rPr lang="en-US" smtClean="0"/>
+              <a:rPr lang="en-US"/>
               <a:t>Second level</a:t>
             </a:r>
           </a:p>
           <a:p>
             <a:pPr lvl="2"/>
             <a:r>
-              <a:rPr lang="en-US" smtClean="0"/>
+              <a:rPr lang="en-US"/>
               <a:t>Third level</a:t>
             </a:r>
           </a:p>
           <a:p>
             <a:pPr lvl="3"/>
             <a:r>
-              <a:rPr lang="en-US" smtClean="0"/>
+              <a:rPr lang="en-US"/>
               <a:t>Fourth level</a:t>
             </a:r>
           </a:p>
           <a:p>
             <a:pPr lvl="4"/>
             <a:r>
-              <a:rPr lang="en-US" smtClean="0"/>
+              <a:rPr lang="en-US"/>
               <a:t>Fifth level</a:t>
             </a:r>
             <a:endParaRPr lang="en-GB"/>
@@ -808,7 +824,7 @@
           <a:p>
             <a:fld id="{6BA5D40C-A8DC-479A-A5D3-E7B4936A184B}" type="datetimeFigureOut">
               <a:rPr lang="en-GB" smtClean="0"/>
-              <a:t>15/07/2015</a:t>
+              <a:t>05/12/2019</a:t>
             </a:fld>
             <a:endParaRPr lang="en-GB"/>
           </a:p>
@@ -911,7 +927,7 @@
           </a:lstStyle>
           <a:p>
             <a:r>
-              <a:rPr lang="en-US" smtClean="0"/>
+              <a:rPr lang="en-US"/>
               <a:t>Click to edit Master title style</a:t>
             </a:r>
             <a:endParaRPr lang="en-GB"/>
@@ -1031,7 +1047,7 @@
           <a:p>
             <a:pPr lvl="0"/>
             <a:r>
-              <a:rPr lang="en-US" smtClean="0"/>
+              <a:rPr lang="en-US"/>
               <a:t>Click to edit Master text styles</a:t>
             </a:r>
           </a:p>
@@ -1054,7 +1070,7 @@
           <a:p>
             <a:fld id="{6BA5D40C-A8DC-479A-A5D3-E7B4936A184B}" type="datetimeFigureOut">
               <a:rPr lang="en-GB" smtClean="0"/>
-              <a:t>15/07/2015</a:t>
+              <a:t>05/12/2019</a:t>
             </a:fld>
             <a:endParaRPr lang="en-GB"/>
           </a:p>
@@ -1148,7 +1164,7 @@
           <a:lstStyle/>
           <a:p>
             <a:r>
-              <a:rPr lang="en-US" smtClean="0"/>
+              <a:rPr lang="en-US"/>
               <a:t>Click to edit Master title style</a:t>
             </a:r>
             <a:endParaRPr lang="en-GB"/>
@@ -1205,35 +1221,35 @@
           <a:p>
             <a:pPr lvl="0"/>
             <a:r>
-              <a:rPr lang="en-US" smtClean="0"/>
+              <a:rPr lang="en-US"/>
               <a:t>Click to edit Master text styles</a:t>
             </a:r>
           </a:p>
           <a:p>
             <a:pPr lvl="1"/>
             <a:r>
-              <a:rPr lang="en-US" smtClean="0"/>
+              <a:rPr lang="en-US"/>
               <a:t>Second level</a:t>
             </a:r>
           </a:p>
           <a:p>
             <a:pPr lvl="2"/>
             <a:r>
-              <a:rPr lang="en-US" smtClean="0"/>
+              <a:rPr lang="en-US"/>
               <a:t>Third level</a:t>
             </a:r>
           </a:p>
           <a:p>
             <a:pPr lvl="3"/>
             <a:r>
-              <a:rPr lang="en-US" smtClean="0"/>
+              <a:rPr lang="en-US"/>
               <a:t>Fourth level</a:t>
             </a:r>
           </a:p>
           <a:p>
             <a:pPr lvl="4"/>
             <a:r>
-              <a:rPr lang="en-US" smtClean="0"/>
+              <a:rPr lang="en-US"/>
               <a:t>Fifth level</a:t>
             </a:r>
             <a:endParaRPr lang="en-GB"/>
@@ -1290,35 +1306,35 @@
           <a:p>
             <a:pPr lvl="0"/>
             <a:r>
-              <a:rPr lang="en-US" smtClean="0"/>
+              <a:rPr lang="en-US"/>
               <a:t>Click to edit Master text styles</a:t>
             </a:r>
           </a:p>
           <a:p>
             <a:pPr lvl="1"/>
             <a:r>
-              <a:rPr lang="en-US" smtClean="0"/>
+              <a:rPr lang="en-US"/>
               <a:t>Second level</a:t>
             </a:r>
           </a:p>
           <a:p>
             <a:pPr lvl="2"/>
             <a:r>
-              <a:rPr lang="en-US" smtClean="0"/>
+              <a:rPr lang="en-US"/>
               <a:t>Third level</a:t>
             </a:r>
           </a:p>
           <a:p>
             <a:pPr lvl="3"/>
             <a:r>
-              <a:rPr lang="en-US" smtClean="0"/>
+              <a:rPr lang="en-US"/>
               <a:t>Fourth level</a:t>
             </a:r>
           </a:p>
           <a:p>
             <a:pPr lvl="4"/>
             <a:r>
-              <a:rPr lang="en-US" smtClean="0"/>
+              <a:rPr lang="en-US"/>
               <a:t>Fifth level</a:t>
             </a:r>
             <a:endParaRPr lang="en-GB"/>
@@ -1342,7 +1358,7 @@
           <a:p>
             <a:fld id="{6BA5D40C-A8DC-479A-A5D3-E7B4936A184B}" type="datetimeFigureOut">
               <a:rPr lang="en-GB" smtClean="0"/>
-              <a:t>15/07/2015</a:t>
+              <a:t>05/12/2019</a:t>
             </a:fld>
             <a:endParaRPr lang="en-GB"/>
           </a:p>
@@ -1445,7 +1461,7 @@
           </a:lstStyle>
           <a:p>
             <a:r>
-              <a:rPr lang="en-US" smtClean="0"/>
+              <a:rPr lang="en-US"/>
               <a:t>Click to edit Master title style</a:t>
             </a:r>
             <a:endParaRPr lang="en-GB"/>
@@ -1511,7 +1527,7 @@
           <a:p>
             <a:pPr lvl="0"/>
             <a:r>
-              <a:rPr lang="en-US" smtClean="0"/>
+              <a:rPr lang="en-US"/>
               <a:t>Click to edit Master text styles</a:t>
             </a:r>
           </a:p>
@@ -1567,35 +1583,35 @@
           <a:p>
             <a:pPr lvl="0"/>
             <a:r>
-              <a:rPr lang="en-US" smtClean="0"/>
+              <a:rPr lang="en-US"/>
               <a:t>Click to edit Master text styles</a:t>
             </a:r>
           </a:p>
           <a:p>
             <a:pPr lvl="1"/>
             <a:r>
-              <a:rPr lang="en-US" smtClean="0"/>
+              <a:rPr lang="en-US"/>
               <a:t>Second level</a:t>
             </a:r>
           </a:p>
           <a:p>
             <a:pPr lvl="2"/>
             <a:r>
-              <a:rPr lang="en-US" smtClean="0"/>
+              <a:rPr lang="en-US"/>
               <a:t>Third level</a:t>
             </a:r>
           </a:p>
           <a:p>
             <a:pPr lvl="3"/>
             <a:r>
-              <a:rPr lang="en-US" smtClean="0"/>
+              <a:rPr lang="en-US"/>
               <a:t>Fourth level</a:t>
             </a:r>
           </a:p>
           <a:p>
             <a:pPr lvl="4"/>
             <a:r>
-              <a:rPr lang="en-US" smtClean="0"/>
+              <a:rPr lang="en-US"/>
               <a:t>Fifth level</a:t>
             </a:r>
             <a:endParaRPr lang="en-GB"/>
@@ -1661,7 +1677,7 @@
           <a:p>
             <a:pPr lvl="0"/>
             <a:r>
-              <a:rPr lang="en-US" smtClean="0"/>
+              <a:rPr lang="en-US"/>
               <a:t>Click to edit Master text styles</a:t>
             </a:r>
           </a:p>
@@ -1717,35 +1733,35 @@
           <a:p>
             <a:pPr lvl="0"/>
             <a:r>
-              <a:rPr lang="en-US" smtClean="0"/>
+              <a:rPr lang="en-US"/>
               <a:t>Click to edit Master text styles</a:t>
             </a:r>
           </a:p>
           <a:p>
             <a:pPr lvl="1"/>
             <a:r>
-              <a:rPr lang="en-US" smtClean="0"/>
+              <a:rPr lang="en-US"/>
               <a:t>Second level</a:t>
             </a:r>
           </a:p>
           <a:p>
             <a:pPr lvl="2"/>
             <a:r>
-              <a:rPr lang="en-US" smtClean="0"/>
+              <a:rPr lang="en-US"/>
               <a:t>Third level</a:t>
             </a:r>
           </a:p>
           <a:p>
             <a:pPr lvl="3"/>
             <a:r>
-              <a:rPr lang="en-US" smtClean="0"/>
+              <a:rPr lang="en-US"/>
               <a:t>Fourth level</a:t>
             </a:r>
           </a:p>
           <a:p>
             <a:pPr lvl="4"/>
             <a:r>
-              <a:rPr lang="en-US" smtClean="0"/>
+              <a:rPr lang="en-US"/>
               <a:t>Fifth level</a:t>
             </a:r>
             <a:endParaRPr lang="en-GB"/>
@@ -1769,7 +1785,7 @@
           <a:p>
             <a:fld id="{6BA5D40C-A8DC-479A-A5D3-E7B4936A184B}" type="datetimeFigureOut">
               <a:rPr lang="en-GB" smtClean="0"/>
-              <a:t>15/07/2015</a:t>
+              <a:t>05/12/2019</a:t>
             </a:fld>
             <a:endParaRPr lang="en-GB"/>
           </a:p>
@@ -1863,7 +1879,7 @@
           <a:lstStyle/>
           <a:p>
             <a:r>
-              <a:rPr lang="en-US" smtClean="0"/>
+              <a:rPr lang="en-US"/>
               <a:t>Click to edit Master title style</a:t>
             </a:r>
             <a:endParaRPr lang="en-GB"/>
@@ -1887,7 +1903,7 @@
           <a:p>
             <a:fld id="{6BA5D40C-A8DC-479A-A5D3-E7B4936A184B}" type="datetimeFigureOut">
               <a:rPr lang="en-GB" smtClean="0"/>
-              <a:t>15/07/2015</a:t>
+              <a:t>05/12/2019</a:t>
             </a:fld>
             <a:endParaRPr lang="en-GB"/>
           </a:p>
@@ -1982,7 +1998,7 @@
           <a:p>
             <a:fld id="{6BA5D40C-A8DC-479A-A5D3-E7B4936A184B}" type="datetimeFigureOut">
               <a:rPr lang="en-GB" smtClean="0"/>
-              <a:t>15/07/2015</a:t>
+              <a:t>05/12/2019</a:t>
             </a:fld>
             <a:endParaRPr lang="en-GB"/>
           </a:p>
@@ -2085,7 +2101,7 @@
           </a:lstStyle>
           <a:p>
             <a:r>
-              <a:rPr lang="en-US" smtClean="0"/>
+              <a:rPr lang="en-US"/>
               <a:t>Click to edit Master title style</a:t>
             </a:r>
             <a:endParaRPr lang="en-GB"/>
@@ -2142,35 +2158,35 @@
           <a:p>
             <a:pPr lvl="0"/>
             <a:r>
-              <a:rPr lang="en-US" smtClean="0"/>
+              <a:rPr lang="en-US"/>
               <a:t>Click to edit Master text styles</a:t>
             </a:r>
           </a:p>
           <a:p>
             <a:pPr lvl="1"/>
             <a:r>
-              <a:rPr lang="en-US" smtClean="0"/>
+              <a:rPr lang="en-US"/>
               <a:t>Second level</a:t>
             </a:r>
           </a:p>
           <a:p>
             <a:pPr lvl="2"/>
             <a:r>
-              <a:rPr lang="en-US" smtClean="0"/>
+              <a:rPr lang="en-US"/>
               <a:t>Third level</a:t>
             </a:r>
           </a:p>
           <a:p>
             <a:pPr lvl="3"/>
             <a:r>
-              <a:rPr lang="en-US" smtClean="0"/>
+              <a:rPr lang="en-US"/>
               <a:t>Fourth level</a:t>
             </a:r>
           </a:p>
           <a:p>
             <a:pPr lvl="4"/>
             <a:r>
-              <a:rPr lang="en-US" smtClean="0"/>
+              <a:rPr lang="en-US"/>
               <a:t>Fifth level</a:t>
             </a:r>
             <a:endParaRPr lang="en-GB"/>
@@ -2236,7 +2252,7 @@
           <a:p>
             <a:pPr lvl="0"/>
             <a:r>
-              <a:rPr lang="en-US" smtClean="0"/>
+              <a:rPr lang="en-US"/>
               <a:t>Click to edit Master text styles</a:t>
             </a:r>
           </a:p>
@@ -2259,7 +2275,7 @@
           <a:p>
             <a:fld id="{6BA5D40C-A8DC-479A-A5D3-E7B4936A184B}" type="datetimeFigureOut">
               <a:rPr lang="en-GB" smtClean="0"/>
-              <a:t>15/07/2015</a:t>
+              <a:t>05/12/2019</a:t>
             </a:fld>
             <a:endParaRPr lang="en-GB"/>
           </a:p>
@@ -2362,7 +2378,7 @@
           </a:lstStyle>
           <a:p>
             <a:r>
-              <a:rPr lang="en-US" smtClean="0"/>
+              <a:rPr lang="en-US"/>
               <a:t>Click to edit Master title style</a:t>
             </a:r>
             <a:endParaRPr lang="en-GB"/>
@@ -2489,7 +2505,7 @@
           <a:p>
             <a:pPr lvl="0"/>
             <a:r>
-              <a:rPr lang="en-US" smtClean="0"/>
+              <a:rPr lang="en-US"/>
               <a:t>Click to edit Master text styles</a:t>
             </a:r>
           </a:p>
@@ -2512,7 +2528,7 @@
           <a:p>
             <a:fld id="{6BA5D40C-A8DC-479A-A5D3-E7B4936A184B}" type="datetimeFigureOut">
               <a:rPr lang="en-GB" smtClean="0"/>
-              <a:t>15/07/2015</a:t>
+              <a:t>05/12/2019</a:t>
             </a:fld>
             <a:endParaRPr lang="en-GB"/>
           </a:p>
@@ -2621,7 +2637,7 @@
           <a:lstStyle/>
           <a:p>
             <a:r>
-              <a:rPr lang="en-US" smtClean="0"/>
+              <a:rPr lang="en-US"/>
               <a:t>Click to edit Master title style</a:t>
             </a:r>
             <a:endParaRPr lang="en-GB"/>
@@ -2655,35 +2671,35 @@
           <a:p>
             <a:pPr lvl="0"/>
             <a:r>
-              <a:rPr lang="en-US" smtClean="0"/>
+              <a:rPr lang="en-US"/>
               <a:t>Click to edit Master text styles</a:t>
             </a:r>
           </a:p>
           <a:p>
             <a:pPr lvl="1"/>
             <a:r>
-              <a:rPr lang="en-US" smtClean="0"/>
+              <a:rPr lang="en-US"/>
               <a:t>Second level</a:t>
             </a:r>
           </a:p>
           <a:p>
             <a:pPr lvl="2"/>
             <a:r>
-              <a:rPr lang="en-US" smtClean="0"/>
+              <a:rPr lang="en-US"/>
               <a:t>Third level</a:t>
             </a:r>
           </a:p>
           <a:p>
             <a:pPr lvl="3"/>
             <a:r>
-              <a:rPr lang="en-US" smtClean="0"/>
+              <a:rPr lang="en-US"/>
               <a:t>Fourth level</a:t>
             </a:r>
           </a:p>
           <a:p>
             <a:pPr lvl="4"/>
             <a:r>
-              <a:rPr lang="en-US" smtClean="0"/>
+              <a:rPr lang="en-US"/>
               <a:t>Fifth level</a:t>
             </a:r>
             <a:endParaRPr lang="en-GB"/>
@@ -2725,7 +2741,7 @@
           <a:p>
             <a:fld id="{6BA5D40C-A8DC-479A-A5D3-E7B4936A184B}" type="datetimeFigureOut">
               <a:rPr lang="en-GB" smtClean="0"/>
-              <a:t>15/07/2015</a:t>
+              <a:t>05/12/2019</a:t>
             </a:fld>
             <a:endParaRPr lang="en-GB"/>
           </a:p>
@@ -3100,7 +3116,7 @@
           <a:chExt cx="0" cy="0"/>
         </a:xfrm>
       </p:grpSpPr>
-      <p:grpSp xmlns:a="http://schemas.openxmlformats.org/drawingml/2006/main" xmlns:r="http://schemas.openxmlformats.org/officeDocument/2006/relationships" xmlns:p="http://schemas.openxmlformats.org/presentationml/2006/main" xmlns:pic="http://schemas.openxmlformats.org/drawingml/2006/picture">
+      <p:grpSp>
         <p:nvGrpSpPr>
           <p:cNvPr id="2" name="grp2"/>
           <p:cNvGrpSpPr/>
@@ -3108,10 +3124,10 @@
         </p:nvGrpSpPr>
         <p:grpSpPr>
           <a:xfrm>
-            <a:off x="3429000" y="1234281"/>
-            <a:ext cx="8229600" cy="8229600"/>
-            <a:chOff x="3429000" y="1234281"/>
-            <a:chExt cx="8229600" cy="8229600"/>
+            <a:off x="3240751" y="853281"/>
+            <a:ext cx="8417849" cy="8610600"/>
+            <a:chOff x="3240751" y="853281"/>
+            <a:chExt cx="8417849" cy="8610600"/>
           </a:xfrm>
         </p:grpSpPr>
         <p:sp>
@@ -3146,7 +3162,9 @@
           <p:txBody>
             <a:bodyPr/>
             <a:lstStyle/>
-            <a:p/>
+            <a:p>
+              <a:endParaRPr/>
+            </a:p>
           </p:txBody>
         </p:sp>
         <p:sp>
@@ -3181,7 +3199,9 @@
           <p:txBody>
             <a:bodyPr/>
             <a:lstStyle/>
-            <a:p/>
+            <a:p>
+              <a:endParaRPr dirty="0"/>
+            </a:p>
           </p:txBody>
         </p:sp>
         <p:sp>
@@ -3216,7 +3236,9 @@
           <p:txBody>
             <a:bodyPr/>
             <a:lstStyle/>
-            <a:p/>
+            <a:p>
+              <a:endParaRPr/>
+            </a:p>
           </p:txBody>
         </p:sp>
         <p:sp>
@@ -3251,7 +3273,9 @@
           <p:txBody>
             <a:bodyPr/>
             <a:lstStyle/>
-            <a:p/>
+            <a:p>
+              <a:endParaRPr/>
+            </a:p>
           </p:txBody>
         </p:sp>
         <p:sp>
@@ -3286,7 +3310,9 @@
           <p:txBody>
             <a:bodyPr/>
             <a:lstStyle/>
-            <a:p/>
+            <a:p>
+              <a:endParaRPr/>
+            </a:p>
           </p:txBody>
         </p:sp>
         <p:sp>
@@ -3321,7 +3347,9 @@
           <p:txBody>
             <a:bodyPr/>
             <a:lstStyle/>
-            <a:p/>
+            <a:p>
+              <a:endParaRPr/>
+            </a:p>
           </p:txBody>
         </p:sp>
         <p:sp>
@@ -3356,7 +3384,9 @@
           <p:txBody>
             <a:bodyPr/>
             <a:lstStyle/>
-            <a:p/>
+            <a:p>
+              <a:endParaRPr/>
+            </a:p>
           </p:txBody>
         </p:sp>
         <p:sp>
@@ -3391,7 +3421,9 @@
           <p:txBody>
             <a:bodyPr/>
             <a:lstStyle/>
-            <a:p/>
+            <a:p>
+              <a:endParaRPr/>
+            </a:p>
           </p:txBody>
         </p:sp>
         <p:sp>
@@ -3426,7 +3458,9 @@
           <p:txBody>
             <a:bodyPr/>
             <a:lstStyle/>
-            <a:p/>
+            <a:p>
+              <a:endParaRPr/>
+            </a:p>
           </p:txBody>
         </p:sp>
         <p:sp>
@@ -3461,7 +3495,9 @@
           <p:txBody>
             <a:bodyPr/>
             <a:lstStyle/>
-            <a:p/>
+            <a:p>
+              <a:endParaRPr/>
+            </a:p>
           </p:txBody>
         </p:sp>
         <p:sp>
@@ -3496,7 +3532,9 @@
           <p:txBody>
             <a:bodyPr/>
             <a:lstStyle/>
-            <a:p/>
+            <a:p>
+              <a:endParaRPr/>
+            </a:p>
           </p:txBody>
         </p:sp>
         <p:sp>
@@ -3531,7 +3569,9 @@
           <p:txBody>
             <a:bodyPr/>
             <a:lstStyle/>
-            <a:p/>
+            <a:p>
+              <a:endParaRPr/>
+            </a:p>
           </p:txBody>
         </p:sp>
         <p:sp>
@@ -3566,7 +3606,9 @@
           <p:txBody>
             <a:bodyPr/>
             <a:lstStyle/>
-            <a:p/>
+            <a:p>
+              <a:endParaRPr/>
+            </a:p>
           </p:txBody>
         </p:sp>
         <p:sp>
@@ -3601,7 +3643,9 @@
           <p:txBody>
             <a:bodyPr/>
             <a:lstStyle/>
-            <a:p/>
+            <a:p>
+              <a:endParaRPr/>
+            </a:p>
           </p:txBody>
         </p:sp>
         <p:sp>
@@ -3636,7 +3680,9 @@
           <p:txBody>
             <a:bodyPr/>
             <a:lstStyle/>
-            <a:p/>
+            <a:p>
+              <a:endParaRPr/>
+            </a:p>
           </p:txBody>
         </p:sp>
         <p:sp>
@@ -3671,7 +3717,9 @@
           <p:txBody>
             <a:bodyPr/>
             <a:lstStyle/>
-            <a:p/>
+            <a:p>
+              <a:endParaRPr/>
+            </a:p>
           </p:txBody>
         </p:sp>
         <p:sp>
@@ -3706,7 +3754,9 @@
           <p:txBody>
             <a:bodyPr/>
             <a:lstStyle/>
-            <a:p/>
+            <a:p>
+              <a:endParaRPr/>
+            </a:p>
           </p:txBody>
         </p:sp>
         <p:sp>
@@ -3741,7 +3791,9 @@
           <p:txBody>
             <a:bodyPr/>
             <a:lstStyle/>
-            <a:p/>
+            <a:p>
+              <a:endParaRPr/>
+            </a:p>
           </p:txBody>
         </p:sp>
         <p:sp>
@@ -3776,7 +3828,9 @@
           <p:txBody>
             <a:bodyPr/>
             <a:lstStyle/>
-            <a:p/>
+            <a:p>
+              <a:endParaRPr/>
+            </a:p>
           </p:txBody>
         </p:sp>
         <p:sp>
@@ -3811,33 +3865,9 @@
           <p:txBody>
             <a:bodyPr/>
             <a:lstStyle/>
-            <a:p/>
-          </p:txBody>
-        </p:sp>
-        <p:sp>
-          <p:nvSpPr>
-            <p:cNvPr id="23" name="rc23"/>
-            <p:cNvSpPr/>
-            <p:nvPr/>
-          </p:nvSpPr>
-          <p:spPr>
-            <a:xfrm>
-              <a:off x="4123262" y="5287650"/>
-              <a:ext cx="6053529" cy="214862"/>
-            </a:xfrm>
-            <a:prstGeom prst="rect">
-              <a:avLst/>
-            </a:prstGeom>
-            <a:solidFill>
-              <a:srgbClr val="D9D9D9">
-                <a:alpha val="100000"/>
-              </a:srgbClr>
-            </a:solidFill>
-          </p:spPr>
-          <p:txBody>
-            <a:bodyPr/>
-            <a:lstStyle/>
-            <a:p/>
+            <a:p>
+              <a:endParaRPr/>
+            </a:p>
           </p:txBody>
         </p:sp>
         <p:sp>
@@ -3848,8 +3878,8 @@
           </p:nvSpPr>
           <p:spPr>
             <a:xfrm>
-              <a:off x="7022890" y="5352417"/>
-              <a:ext cx="254272" cy="83542"/>
+              <a:off x="7075522" y="5120481"/>
+              <a:ext cx="403279" cy="267376"/>
             </a:xfrm>
             <a:prstGeom prst="rect">
               <a:avLst/>
@@ -3857,10 +3887,10 @@
             <a:noFill/>
           </p:spPr>
           <p:txBody>
-            <a:bodyPr lIns="0" rIns="0" tIns="0" bIns="0" anchorCtr="1" anchor="ctr" wrap="none"/>
-            <a:lstStyle/>
-            <a:p>
-              <a:pPr algn="l" marL="0" marR="0" indent="0">
+            <a:bodyPr wrap="none" lIns="0" tIns="0" rIns="0" bIns="0" anchor="ctr" anchorCtr="1"/>
+            <a:lstStyle/>
+            <a:p>
+              <a:pPr marL="0" marR="0" indent="0" algn="l">
                 <a:lnSpc>
                   <a:spcPts val="880"/>
                 </a:lnSpc>
@@ -3872,7 +3902,7 @@
                 </a:spcAft>
               </a:pPr>
               <a:r>
-                <a:rPr sz="880">
+                <a:rPr sz="1400" dirty="0">
                   <a:solidFill>
                     <a:srgbClr val="1A1A1A">
                       <a:alpha val="100000"/>
@@ -3883,33 +3913,16 @@
                 </a:rPr>
                 <a:t>2019</a:t>
               </a:r>
-            </a:p>
-          </p:txBody>
-        </p:sp>
-        <p:sp>
-          <p:nvSpPr>
-            <p:cNvPr id="25" name="rc25"/>
-            <p:cNvSpPr/>
-            <p:nvPr/>
-          </p:nvSpPr>
-          <p:spPr>
-            <a:xfrm>
-              <a:off x="4123262" y="1585279"/>
-              <a:ext cx="6053529" cy="214862"/>
-            </a:xfrm>
-            <a:prstGeom prst="rect">
-              <a:avLst/>
-            </a:prstGeom>
-            <a:solidFill>
-              <a:srgbClr val="D9D9D9">
-                <a:alpha val="100000"/>
-              </a:srgbClr>
-            </a:solidFill>
-          </p:spPr>
-          <p:txBody>
-            <a:bodyPr/>
-            <a:lstStyle/>
-            <a:p/>
+              <a:endParaRPr sz="880" dirty="0">
+                <a:solidFill>
+                  <a:srgbClr val="1A1A1A">
+                    <a:alpha val="100000"/>
+                  </a:srgbClr>
+                </a:solidFill>
+                <a:latin typeface="Arial"/>
+                <a:cs typeface="Arial"/>
+              </a:endParaRPr>
+            </a:p>
           </p:txBody>
         </p:sp>
         <p:sp>
@@ -3920,8 +3933,8 @@
           </p:nvSpPr>
           <p:spPr>
             <a:xfrm>
-              <a:off x="7022890" y="1650046"/>
-              <a:ext cx="254272" cy="83542"/>
+              <a:off x="7022890" y="1462881"/>
+              <a:ext cx="520910" cy="214862"/>
             </a:xfrm>
             <a:prstGeom prst="rect">
               <a:avLst/>
@@ -3929,10 +3942,10 @@
             <a:noFill/>
           </p:spPr>
           <p:txBody>
-            <a:bodyPr lIns="0" rIns="0" tIns="0" bIns="0" anchorCtr="1" anchor="ctr" wrap="none"/>
-            <a:lstStyle/>
-            <a:p>
-              <a:pPr algn="l" marL="0" marR="0" indent="0">
+            <a:bodyPr wrap="none" lIns="0" tIns="0" rIns="0" bIns="0" anchor="ctr" anchorCtr="1"/>
+            <a:lstStyle/>
+            <a:p>
+              <a:pPr marL="0" marR="0" indent="0" algn="l">
                 <a:lnSpc>
                   <a:spcPts val="880"/>
                 </a:lnSpc>
@@ -3944,7 +3957,7 @@
                 </a:spcAft>
               </a:pPr>
               <a:r>
-                <a:rPr sz="880">
+                <a:rPr sz="1400" dirty="0">
                   <a:solidFill>
                     <a:srgbClr val="1A1A1A">
                       <a:alpha val="100000"/>
@@ -3955,6 +3968,15 @@
                 </a:rPr>
                 <a:t>2018</a:t>
               </a:r>
+              <a:endParaRPr sz="1050" dirty="0">
+                <a:solidFill>
+                  <a:srgbClr val="1A1A1A">
+                    <a:alpha val="100000"/>
+                  </a:srgbClr>
+                </a:solidFill>
+                <a:latin typeface="Arial"/>
+                <a:cs typeface="Arial"/>
+              </a:endParaRPr>
             </a:p>
           </p:txBody>
         </p:sp>
@@ -3971,8 +3993,12 @@
             </a:xfrm>
             <a:custGeom>
               <a:avLst/>
+              <a:gdLst/>
+              <a:ahLst/>
+              <a:cxnLst/>
+              <a:rect l="0" t="0" r="0" b="0"/>
               <a:pathLst>
-                <a:path w="6053529" h="0">
+                <a:path w="6053529">
                   <a:moveTo>
                     <a:pt x="0" y="0"/>
                   </a:moveTo>
@@ -3995,7 +4021,9 @@
           <p:txBody>
             <a:bodyPr/>
             <a:lstStyle/>
-            <a:p/>
+            <a:p>
+              <a:endParaRPr/>
+            </a:p>
           </p:txBody>
         </p:sp>
         <p:sp>
@@ -4011,8 +4039,12 @@
             </a:xfrm>
             <a:custGeom>
               <a:avLst/>
+              <a:gdLst/>
+              <a:ahLst/>
+              <a:cxnLst/>
+              <a:rect l="0" t="0" r="0" b="0"/>
               <a:pathLst>
-                <a:path w="0" h="34794">
+                <a:path h="34794">
                   <a:moveTo>
                     <a:pt x="0" y="34794"/>
                   </a:moveTo>
@@ -4035,7 +4067,9 @@
           <p:txBody>
             <a:bodyPr/>
             <a:lstStyle/>
-            <a:p/>
+            <a:p>
+              <a:endParaRPr/>
+            </a:p>
           </p:txBody>
         </p:sp>
         <p:sp>
@@ -4051,8 +4085,12 @@
             </a:xfrm>
             <a:custGeom>
               <a:avLst/>
+              <a:gdLst/>
+              <a:ahLst/>
+              <a:cxnLst/>
+              <a:rect l="0" t="0" r="0" b="0"/>
               <a:pathLst>
-                <a:path w="0" h="34794">
+                <a:path h="34794">
                   <a:moveTo>
                     <a:pt x="0" y="34794"/>
                   </a:moveTo>
@@ -4075,7 +4113,9 @@
           <p:txBody>
             <a:bodyPr/>
             <a:lstStyle/>
-            <a:p/>
+            <a:p>
+              <a:endParaRPr/>
+            </a:p>
           </p:txBody>
         </p:sp>
         <p:sp>
@@ -4091,8 +4131,12 @@
             </a:xfrm>
             <a:custGeom>
               <a:avLst/>
+              <a:gdLst/>
+              <a:ahLst/>
+              <a:cxnLst/>
+              <a:rect l="0" t="0" r="0" b="0"/>
               <a:pathLst>
-                <a:path w="0" h="34794">
+                <a:path h="34794">
                   <a:moveTo>
                     <a:pt x="0" y="34794"/>
                   </a:moveTo>
@@ -4115,7 +4159,9 @@
           <p:txBody>
             <a:bodyPr/>
             <a:lstStyle/>
-            <a:p/>
+            <a:p>
+              <a:endParaRPr/>
+            </a:p>
           </p:txBody>
         </p:sp>
         <p:sp>
@@ -4131,8 +4177,12 @@
             </a:xfrm>
             <a:custGeom>
               <a:avLst/>
+              <a:gdLst/>
+              <a:ahLst/>
+              <a:cxnLst/>
+              <a:rect l="0" t="0" r="0" b="0"/>
               <a:pathLst>
-                <a:path w="0" h="34794">
+                <a:path h="34794">
                   <a:moveTo>
                     <a:pt x="0" y="34794"/>
                   </a:moveTo>
@@ -4155,7 +4205,9 @@
           <p:txBody>
             <a:bodyPr/>
             <a:lstStyle/>
-            <a:p/>
+            <a:p>
+              <a:endParaRPr/>
+            </a:p>
           </p:txBody>
         </p:sp>
         <p:sp>
@@ -4171,8 +4223,12 @@
             </a:xfrm>
             <a:custGeom>
               <a:avLst/>
+              <a:gdLst/>
+              <a:ahLst/>
+              <a:cxnLst/>
+              <a:rect l="0" t="0" r="0" b="0"/>
               <a:pathLst>
-                <a:path w="0" h="34794">
+                <a:path h="34794">
                   <a:moveTo>
                     <a:pt x="0" y="34794"/>
                   </a:moveTo>
@@ -4195,7 +4251,9 @@
           <p:txBody>
             <a:bodyPr/>
             <a:lstStyle/>
-            <a:p/>
+            <a:p>
+              <a:endParaRPr/>
+            </a:p>
           </p:txBody>
         </p:sp>
         <p:sp>
@@ -4215,10 +4273,10 @@
             <a:noFill/>
           </p:spPr>
           <p:txBody>
-            <a:bodyPr lIns="0" rIns="0" tIns="0" bIns="0" anchorCtr="1" anchor="ctr" wrap="none"/>
-            <a:lstStyle/>
-            <a:p>
-              <a:pPr algn="l" marL="0" marR="0" indent="0">
+            <a:bodyPr wrap="none" lIns="0" tIns="0" rIns="0" bIns="0" anchor="ctr" anchorCtr="1"/>
+            <a:lstStyle/>
+            <a:p>
+              <a:pPr marL="0" marR="0" indent="0" algn="l">
                 <a:lnSpc>
                   <a:spcPts val="1600"/>
                 </a:lnSpc>
@@ -4261,10 +4319,10 @@
             <a:noFill/>
           </p:spPr>
           <p:txBody>
-            <a:bodyPr lIns="0" rIns="0" tIns="0" bIns="0" anchorCtr="1" anchor="ctr" wrap="none"/>
-            <a:lstStyle/>
-            <a:p>
-              <a:pPr algn="l" marL="0" marR="0" indent="0">
+            <a:bodyPr wrap="none" lIns="0" tIns="0" rIns="0" bIns="0" anchor="ctr" anchorCtr="1"/>
+            <a:lstStyle/>
+            <a:p>
+              <a:pPr marL="0" marR="0" indent="0" algn="l">
                 <a:lnSpc>
                   <a:spcPts val="1600"/>
                 </a:lnSpc>
@@ -4307,10 +4365,10 @@
             <a:noFill/>
           </p:spPr>
           <p:txBody>
-            <a:bodyPr lIns="0" rIns="0" tIns="0" bIns="0" anchorCtr="1" anchor="ctr" wrap="none"/>
-            <a:lstStyle/>
-            <a:p>
-              <a:pPr algn="l" marL="0" marR="0" indent="0">
+            <a:bodyPr wrap="none" lIns="0" tIns="0" rIns="0" bIns="0" anchor="ctr" anchorCtr="1"/>
+            <a:lstStyle/>
+            <a:p>
+              <a:pPr marL="0" marR="0" indent="0" algn="l">
                 <a:lnSpc>
                   <a:spcPts val="1600"/>
                 </a:lnSpc>
@@ -4353,10 +4411,10 @@
             <a:noFill/>
           </p:spPr>
           <p:txBody>
-            <a:bodyPr lIns="0" rIns="0" tIns="0" bIns="0" anchorCtr="1" anchor="ctr" wrap="none"/>
-            <a:lstStyle/>
-            <a:p>
-              <a:pPr algn="l" marL="0" marR="0" indent="0">
+            <a:bodyPr wrap="none" lIns="0" tIns="0" rIns="0" bIns="0" anchor="ctr" anchorCtr="1"/>
+            <a:lstStyle/>
+            <a:p>
+              <a:pPr marL="0" marR="0" indent="0" algn="l">
                 <a:lnSpc>
                   <a:spcPts val="1600"/>
                 </a:lnSpc>
@@ -4399,10 +4457,10 @@
             <a:noFill/>
           </p:spPr>
           <p:txBody>
-            <a:bodyPr lIns="0" rIns="0" tIns="0" bIns="0" anchorCtr="1" anchor="ctr" wrap="none"/>
-            <a:lstStyle/>
-            <a:p>
-              <a:pPr algn="l" marL="0" marR="0" indent="0">
+            <a:bodyPr wrap="none" lIns="0" tIns="0" rIns="0" bIns="0" anchor="ctr" anchorCtr="1"/>
+            <a:lstStyle/>
+            <a:p>
+              <a:pPr marL="0" marR="0" indent="0" algn="l">
                 <a:lnSpc>
                   <a:spcPts val="1600"/>
                 </a:lnSpc>
@@ -4441,8 +4499,12 @@
             </a:xfrm>
             <a:custGeom>
               <a:avLst/>
+              <a:gdLst/>
+              <a:ahLst/>
+              <a:cxnLst/>
+              <a:rect l="0" t="0" r="0" b="0"/>
               <a:pathLst>
-                <a:path w="0" h="3417919">
+                <a:path h="3417919">
                   <a:moveTo>
                     <a:pt x="0" y="3417919"/>
                   </a:moveTo>
@@ -4465,7 +4527,9 @@
           <p:txBody>
             <a:bodyPr/>
             <a:lstStyle/>
-            <a:p/>
+            <a:p>
+              <a:endParaRPr/>
+            </a:p>
           </p:txBody>
         </p:sp>
         <p:sp>
@@ -4485,10 +4549,10 @@
             <a:noFill/>
           </p:spPr>
           <p:txBody>
-            <a:bodyPr lIns="0" rIns="0" tIns="0" bIns="0" anchorCtr="1" anchor="ctr" wrap="none"/>
-            <a:lstStyle/>
-            <a:p>
-              <a:pPr algn="l" marL="0" marR="0" indent="0">
+            <a:bodyPr wrap="none" lIns="0" tIns="0" rIns="0" bIns="0" anchor="ctr" anchorCtr="1"/>
+            <a:lstStyle/>
+            <a:p>
+              <a:pPr marL="0" marR="0" indent="0" algn="l">
                 <a:lnSpc>
                   <a:spcPts val="1600"/>
                 </a:lnSpc>
@@ -4531,10 +4595,10 @@
             <a:noFill/>
           </p:spPr>
           <p:txBody>
-            <a:bodyPr lIns="0" rIns="0" tIns="0" bIns="0" anchorCtr="1" anchor="ctr" wrap="none"/>
-            <a:lstStyle/>
-            <a:p>
-              <a:pPr algn="l" marL="0" marR="0" indent="0">
+            <a:bodyPr wrap="none" lIns="0" tIns="0" rIns="0" bIns="0" anchor="ctr" anchorCtr="1"/>
+            <a:lstStyle/>
+            <a:p>
+              <a:pPr marL="0" marR="0" indent="0" algn="l">
                 <a:lnSpc>
                   <a:spcPts val="1600"/>
                 </a:lnSpc>
@@ -4577,10 +4641,10 @@
             <a:noFill/>
           </p:spPr>
           <p:txBody>
-            <a:bodyPr lIns="0" rIns="0" tIns="0" bIns="0" anchorCtr="1" anchor="ctr" wrap="none"/>
-            <a:lstStyle/>
-            <a:p>
-              <a:pPr algn="l" marL="0" marR="0" indent="0">
+            <a:bodyPr wrap="none" lIns="0" tIns="0" rIns="0" bIns="0" anchor="ctr" anchorCtr="1"/>
+            <a:lstStyle/>
+            <a:p>
+              <a:pPr marL="0" marR="0" indent="0" algn="l">
                 <a:lnSpc>
                   <a:spcPts val="1600"/>
                 </a:lnSpc>
@@ -4623,10 +4687,10 @@
             <a:noFill/>
           </p:spPr>
           <p:txBody>
-            <a:bodyPr lIns="0" rIns="0" tIns="0" bIns="0" anchorCtr="1" anchor="ctr" wrap="none"/>
-            <a:lstStyle/>
-            <a:p>
-              <a:pPr algn="l" marL="0" marR="0" indent="0">
+            <a:bodyPr wrap="none" lIns="0" tIns="0" rIns="0" bIns="0" anchor="ctr" anchorCtr="1"/>
+            <a:lstStyle/>
+            <a:p>
+              <a:pPr marL="0" marR="0" indent="0" algn="l">
                 <a:lnSpc>
                   <a:spcPts val="1600"/>
                 </a:lnSpc>
@@ -4669,10 +4733,10 @@
             <a:noFill/>
           </p:spPr>
           <p:txBody>
-            <a:bodyPr lIns="0" rIns="0" tIns="0" bIns="0" anchorCtr="1" anchor="ctr" wrap="none"/>
-            <a:lstStyle/>
-            <a:p>
-              <a:pPr algn="l" marL="0" marR="0" indent="0">
+            <a:bodyPr wrap="none" lIns="0" tIns="0" rIns="0" bIns="0" anchor="ctr" anchorCtr="1"/>
+            <a:lstStyle/>
+            <a:p>
+              <a:pPr marL="0" marR="0" indent="0" algn="l">
                 <a:lnSpc>
                   <a:spcPts val="1600"/>
                 </a:lnSpc>
@@ -4711,8 +4775,12 @@
             </a:xfrm>
             <a:custGeom>
               <a:avLst/>
+              <a:gdLst/>
+              <a:ahLst/>
+              <a:cxnLst/>
+              <a:rect l="0" t="0" r="0" b="0"/>
               <a:pathLst>
-                <a:path w="34794" h="0">
+                <a:path w="34794">
                   <a:moveTo>
                     <a:pt x="0" y="0"/>
                   </a:moveTo>
@@ -4735,7 +4803,9 @@
           <p:txBody>
             <a:bodyPr/>
             <a:lstStyle/>
-            <a:p/>
+            <a:p>
+              <a:endParaRPr/>
+            </a:p>
           </p:txBody>
         </p:sp>
         <p:sp>
@@ -4751,8 +4821,12 @@
             </a:xfrm>
             <a:custGeom>
               <a:avLst/>
+              <a:gdLst/>
+              <a:ahLst/>
+              <a:cxnLst/>
+              <a:rect l="0" t="0" r="0" b="0"/>
               <a:pathLst>
-                <a:path w="34794" h="0">
+                <a:path w="34794">
                   <a:moveTo>
                     <a:pt x="0" y="0"/>
                   </a:moveTo>
@@ -4775,7 +4849,9 @@
           <p:txBody>
             <a:bodyPr/>
             <a:lstStyle/>
-            <a:p/>
+            <a:p>
+              <a:endParaRPr/>
+            </a:p>
           </p:txBody>
         </p:sp>
         <p:sp>
@@ -4791,8 +4867,12 @@
             </a:xfrm>
             <a:custGeom>
               <a:avLst/>
+              <a:gdLst/>
+              <a:ahLst/>
+              <a:cxnLst/>
+              <a:rect l="0" t="0" r="0" b="0"/>
               <a:pathLst>
-                <a:path w="34794" h="0">
+                <a:path w="34794">
                   <a:moveTo>
                     <a:pt x="0" y="0"/>
                   </a:moveTo>
@@ -4815,7 +4895,9 @@
           <p:txBody>
             <a:bodyPr/>
             <a:lstStyle/>
-            <a:p/>
+            <a:p>
+              <a:endParaRPr/>
+            </a:p>
           </p:txBody>
         </p:sp>
         <p:sp>
@@ -4831,8 +4913,12 @@
             </a:xfrm>
             <a:custGeom>
               <a:avLst/>
+              <a:gdLst/>
+              <a:ahLst/>
+              <a:cxnLst/>
+              <a:rect l="0" t="0" r="0" b="0"/>
               <a:pathLst>
-                <a:path w="34794" h="0">
+                <a:path w="34794">
                   <a:moveTo>
                     <a:pt x="0" y="0"/>
                   </a:moveTo>
@@ -4855,7 +4941,9 @@
           <p:txBody>
             <a:bodyPr/>
             <a:lstStyle/>
-            <a:p/>
+            <a:p>
+              <a:endParaRPr/>
+            </a:p>
           </p:txBody>
         </p:sp>
         <p:sp>
@@ -4871,8 +4959,12 @@
             </a:xfrm>
             <a:custGeom>
               <a:avLst/>
+              <a:gdLst/>
+              <a:ahLst/>
+              <a:cxnLst/>
+              <a:rect l="0" t="0" r="0" b="0"/>
               <a:pathLst>
-                <a:path w="34794" h="0">
+                <a:path w="34794">
                   <a:moveTo>
                     <a:pt x="0" y="0"/>
                   </a:moveTo>
@@ -4895,7 +4987,9 @@
           <p:txBody>
             <a:bodyPr/>
             <a:lstStyle/>
-            <a:p/>
+            <a:p>
+              <a:endParaRPr/>
+            </a:p>
           </p:txBody>
         </p:sp>
         <p:sp>
@@ -4911,8 +5005,12 @@
             </a:xfrm>
             <a:custGeom>
               <a:avLst/>
+              <a:gdLst/>
+              <a:ahLst/>
+              <a:cxnLst/>
+              <a:rect l="0" t="0" r="0" b="0"/>
               <a:pathLst>
-                <a:path w="0" h="3417919">
+                <a:path h="3417919">
                   <a:moveTo>
                     <a:pt x="0" y="3417919"/>
                   </a:moveTo>
@@ -4935,7 +5033,9 @@
           <p:txBody>
             <a:bodyPr/>
             <a:lstStyle/>
-            <a:p/>
+            <a:p>
+              <a:endParaRPr/>
+            </a:p>
           </p:txBody>
         </p:sp>
         <p:sp>
@@ -4955,10 +5055,10 @@
             <a:noFill/>
           </p:spPr>
           <p:txBody>
-            <a:bodyPr lIns="0" rIns="0" tIns="0" bIns="0" anchorCtr="1" anchor="ctr" wrap="none"/>
-            <a:lstStyle/>
-            <a:p>
-              <a:pPr algn="l" marL="0" marR="0" indent="0">
+            <a:bodyPr wrap="none" lIns="0" tIns="0" rIns="0" bIns="0" anchor="ctr" anchorCtr="1"/>
+            <a:lstStyle/>
+            <a:p>
+              <a:pPr marL="0" marR="0" indent="0" algn="l">
                 <a:lnSpc>
                   <a:spcPts val="1600"/>
                 </a:lnSpc>
@@ -5001,10 +5101,10 @@
             <a:noFill/>
           </p:spPr>
           <p:txBody>
-            <a:bodyPr lIns="0" rIns="0" tIns="0" bIns="0" anchorCtr="1" anchor="ctr" wrap="none"/>
-            <a:lstStyle/>
-            <a:p>
-              <a:pPr algn="l" marL="0" marR="0" indent="0">
+            <a:bodyPr wrap="none" lIns="0" tIns="0" rIns="0" bIns="0" anchor="ctr" anchorCtr="1"/>
+            <a:lstStyle/>
+            <a:p>
+              <a:pPr marL="0" marR="0" indent="0" algn="l">
                 <a:lnSpc>
                   <a:spcPts val="1600"/>
                 </a:lnSpc>
@@ -5047,10 +5147,10 @@
             <a:noFill/>
           </p:spPr>
           <p:txBody>
-            <a:bodyPr lIns="0" rIns="0" tIns="0" bIns="0" anchorCtr="1" anchor="ctr" wrap="none"/>
-            <a:lstStyle/>
-            <a:p>
-              <a:pPr algn="l" marL="0" marR="0" indent="0">
+            <a:bodyPr wrap="none" lIns="0" tIns="0" rIns="0" bIns="0" anchor="ctr" anchorCtr="1"/>
+            <a:lstStyle/>
+            <a:p>
+              <a:pPr marL="0" marR="0" indent="0" algn="l">
                 <a:lnSpc>
                   <a:spcPts val="1600"/>
                 </a:lnSpc>
@@ -5093,10 +5193,10 @@
             <a:noFill/>
           </p:spPr>
           <p:txBody>
-            <a:bodyPr lIns="0" rIns="0" tIns="0" bIns="0" anchorCtr="1" anchor="ctr" wrap="none"/>
-            <a:lstStyle/>
-            <a:p>
-              <a:pPr algn="l" marL="0" marR="0" indent="0">
+            <a:bodyPr wrap="none" lIns="0" tIns="0" rIns="0" bIns="0" anchor="ctr" anchorCtr="1"/>
+            <a:lstStyle/>
+            <a:p>
+              <a:pPr marL="0" marR="0" indent="0" algn="l">
                 <a:lnSpc>
                   <a:spcPts val="1600"/>
                 </a:lnSpc>
@@ -5139,10 +5239,10 @@
             <a:noFill/>
           </p:spPr>
           <p:txBody>
-            <a:bodyPr lIns="0" rIns="0" tIns="0" bIns="0" anchorCtr="1" anchor="ctr" wrap="none"/>
-            <a:lstStyle/>
-            <a:p>
-              <a:pPr algn="l" marL="0" marR="0" indent="0">
+            <a:bodyPr wrap="none" lIns="0" tIns="0" rIns="0" bIns="0" anchor="ctr" anchorCtr="1"/>
+            <a:lstStyle/>
+            <a:p>
+              <a:pPr marL="0" marR="0" indent="0" algn="l">
                 <a:lnSpc>
                   <a:spcPts val="1600"/>
                 </a:lnSpc>
@@ -5181,8 +5281,12 @@
             </a:xfrm>
             <a:custGeom>
               <a:avLst/>
+              <a:gdLst/>
+              <a:ahLst/>
+              <a:cxnLst/>
+              <a:rect l="0" t="0" r="0" b="0"/>
               <a:pathLst>
-                <a:path w="34794" h="0">
+                <a:path w="34794">
                   <a:moveTo>
                     <a:pt x="0" y="0"/>
                   </a:moveTo>
@@ -5205,7 +5309,9 @@
           <p:txBody>
             <a:bodyPr/>
             <a:lstStyle/>
-            <a:p/>
+            <a:p>
+              <a:endParaRPr/>
+            </a:p>
           </p:txBody>
         </p:sp>
         <p:sp>
@@ -5221,8 +5327,12 @@
             </a:xfrm>
             <a:custGeom>
               <a:avLst/>
+              <a:gdLst/>
+              <a:ahLst/>
+              <a:cxnLst/>
+              <a:rect l="0" t="0" r="0" b="0"/>
               <a:pathLst>
-                <a:path w="34794" h="0">
+                <a:path w="34794">
                   <a:moveTo>
                     <a:pt x="0" y="0"/>
                   </a:moveTo>
@@ -5245,7 +5355,9 @@
           <p:txBody>
             <a:bodyPr/>
             <a:lstStyle/>
-            <a:p/>
+            <a:p>
+              <a:endParaRPr/>
+            </a:p>
           </p:txBody>
         </p:sp>
         <p:sp>
@@ -5261,8 +5373,12 @@
             </a:xfrm>
             <a:custGeom>
               <a:avLst/>
+              <a:gdLst/>
+              <a:ahLst/>
+              <a:cxnLst/>
+              <a:rect l="0" t="0" r="0" b="0"/>
               <a:pathLst>
-                <a:path w="34794" h="0">
+                <a:path w="34794">
                   <a:moveTo>
                     <a:pt x="0" y="0"/>
                   </a:moveTo>
@@ -5285,7 +5401,9 @@
           <p:txBody>
             <a:bodyPr/>
             <a:lstStyle/>
-            <a:p/>
+            <a:p>
+              <a:endParaRPr/>
+            </a:p>
           </p:txBody>
         </p:sp>
         <p:sp>
@@ -5301,8 +5419,12 @@
             </a:xfrm>
             <a:custGeom>
               <a:avLst/>
+              <a:gdLst/>
+              <a:ahLst/>
+              <a:cxnLst/>
+              <a:rect l="0" t="0" r="0" b="0"/>
               <a:pathLst>
-                <a:path w="34794" h="0">
+                <a:path w="34794">
                   <a:moveTo>
                     <a:pt x="0" y="0"/>
                   </a:moveTo>
@@ -5325,7 +5447,9 @@
           <p:txBody>
             <a:bodyPr/>
             <a:lstStyle/>
-            <a:p/>
+            <a:p>
+              <a:endParaRPr/>
+            </a:p>
           </p:txBody>
         </p:sp>
         <p:sp>
@@ -5341,8 +5465,12 @@
             </a:xfrm>
             <a:custGeom>
               <a:avLst/>
+              <a:gdLst/>
+              <a:ahLst/>
+              <a:cxnLst/>
+              <a:rect l="0" t="0" r="0" b="0"/>
               <a:pathLst>
-                <a:path w="34794" h="0">
+                <a:path w="34794">
                   <a:moveTo>
                     <a:pt x="0" y="0"/>
                   </a:moveTo>
@@ -5365,7 +5493,9 @@
           <p:txBody>
             <a:bodyPr/>
             <a:lstStyle/>
-            <a:p/>
+            <a:p>
+              <a:endParaRPr/>
+            </a:p>
           </p:txBody>
         </p:sp>
         <p:sp>
@@ -5376,7 +5506,7 @@
           </p:nvSpPr>
           <p:spPr>
             <a:xfrm>
-              <a:off x="6732067" y="9203693"/>
+              <a:off x="6732067" y="9316046"/>
               <a:ext cx="835917" cy="147835"/>
             </a:xfrm>
             <a:prstGeom prst="rect">
@@ -5385,10 +5515,10 @@
             <a:noFill/>
           </p:spPr>
           <p:txBody>
-            <a:bodyPr lIns="0" rIns="0" tIns="0" bIns="0" anchorCtr="1" anchor="ctr" wrap="none"/>
-            <a:lstStyle/>
-            <a:p>
-              <a:pPr algn="l" marL="0" marR="0" indent="0">
+            <a:bodyPr wrap="none" lIns="0" tIns="0" rIns="0" bIns="0" anchor="ctr" anchorCtr="1"/>
+            <a:lstStyle/>
+            <a:p>
+              <a:pPr marL="0" marR="0" indent="0" algn="l">
                 <a:lnSpc>
                   <a:spcPts val="1600"/>
                 </a:lnSpc>
@@ -5400,7 +5530,7 @@
                 </a:spcAft>
               </a:pPr>
               <a:r>
-                <a:rPr sz="1600">
+                <a:rPr sz="2000" dirty="0">
                   <a:solidFill>
                     <a:srgbClr val="000000">
                       <a:alpha val="100000"/>
@@ -5421,9 +5551,9 @@
             <p:nvPr/>
           </p:nvSpPr>
           <p:spPr>
-            <a:xfrm rot="-5400000">
-              <a:off x="2896678" y="5284979"/>
-              <a:ext cx="1344116" cy="150614"/>
+            <a:xfrm rot="16200000">
+              <a:off x="2625051" y="5013353"/>
+              <a:ext cx="1634691" cy="403292"/>
             </a:xfrm>
             <a:prstGeom prst="rect">
               <a:avLst/>
@@ -5431,10 +5561,10 @@
             <a:noFill/>
           </p:spPr>
           <p:txBody>
-            <a:bodyPr lIns="0" rIns="0" tIns="0" bIns="0" anchorCtr="1" anchor="ctr" wrap="none"/>
-            <a:lstStyle/>
-            <a:p>
-              <a:pPr algn="l" marL="0" marR="0" indent="0">
+            <a:bodyPr wrap="none" lIns="0" tIns="0" rIns="0" bIns="0" anchor="ctr" anchorCtr="1"/>
+            <a:lstStyle/>
+            <a:p>
+              <a:pPr marL="0" marR="0" indent="0" algn="l">
                 <a:lnSpc>
                   <a:spcPts val="1600"/>
                 </a:lnSpc>
@@ -5446,7 +5576,7 @@
                 </a:spcAft>
               </a:pPr>
               <a:r>
-                <a:rPr sz="1600">
+                <a:rPr sz="2000" dirty="0">
                   <a:solidFill>
                     <a:srgbClr val="000000">
                       <a:alpha val="100000"/>
@@ -5483,7 +5613,9 @@
           <p:txBody>
             <a:bodyPr/>
             <a:lstStyle/>
-            <a:p/>
+            <a:p>
+              <a:endParaRPr/>
+            </a:p>
           </p:txBody>
         </p:sp>
         <p:sp>
@@ -5494,8 +5626,8 @@
           </p:nvSpPr>
           <p:spPr>
             <a:xfrm>
-              <a:off x="10385558" y="4231164"/>
-              <a:ext cx="355736" cy="166489"/>
+              <a:off x="10385557" y="4044626"/>
+              <a:ext cx="701643" cy="353027"/>
             </a:xfrm>
             <a:prstGeom prst="rect">
               <a:avLst/>
@@ -5503,10 +5635,10 @@
             <a:noFill/>
           </p:spPr>
           <p:txBody>
-            <a:bodyPr lIns="0" rIns="0" tIns="0" bIns="0" anchorCtr="1" anchor="ctr" wrap="none"/>
-            <a:lstStyle/>
-            <a:p>
-              <a:pPr algn="l" marL="0" marR="0" indent="0">
+            <a:bodyPr wrap="none" lIns="0" tIns="0" rIns="0" bIns="0" anchor="ctr" anchorCtr="1"/>
+            <a:lstStyle/>
+            <a:p>
+              <a:pPr marL="0" marR="0" indent="0" algn="l">
                 <a:lnSpc>
                   <a:spcPts val="1800"/>
                 </a:lnSpc>
@@ -5518,7 +5650,7 @@
                 </a:spcAft>
               </a:pPr>
               <a:r>
-                <a:rPr sz="1800">
+                <a:rPr lang="en-US" sz="1800" dirty="0">
                   <a:solidFill>
                     <a:srgbClr val="000000">
                       <a:alpha val="100000"/>
@@ -5527,8 +5659,17 @@
                   <a:latin typeface="Arial"/>
                   <a:cs typeface="Arial"/>
                 </a:rPr>
-                <a:t>site</a:t>
+                <a:t>Plot</a:t>
               </a:r>
+              <a:endParaRPr sz="1800" dirty="0">
+                <a:solidFill>
+                  <a:srgbClr val="000000">
+                    <a:alpha val="100000"/>
+                  </a:srgbClr>
+                </a:solidFill>
+                <a:latin typeface="Arial"/>
+                <a:cs typeface="Arial"/>
+              </a:endParaRPr>
             </a:p>
           </p:txBody>
         </p:sp>
@@ -5564,7 +5705,9 @@
           <p:txBody>
             <a:bodyPr/>
             <a:lstStyle/>
-            <a:p/>
+            <a:p>
+              <a:endParaRPr/>
+            </a:p>
           </p:txBody>
         </p:sp>
         <p:sp>
@@ -5599,7 +5742,9 @@
           <p:txBody>
             <a:bodyPr/>
             <a:lstStyle/>
-            <a:p/>
+            <a:p>
+              <a:endParaRPr/>
+            </a:p>
           </p:txBody>
         </p:sp>
         <p:sp>
@@ -5634,7 +5779,9 @@
           <p:txBody>
             <a:bodyPr/>
             <a:lstStyle/>
-            <a:p/>
+            <a:p>
+              <a:endParaRPr/>
+            </a:p>
           </p:txBody>
         </p:sp>
         <p:sp>
@@ -5669,7 +5816,9 @@
           <p:txBody>
             <a:bodyPr/>
             <a:lstStyle/>
-            <a:p/>
+            <a:p>
+              <a:endParaRPr/>
+            </a:p>
           </p:txBody>
         </p:sp>
         <p:sp>
@@ -5704,7 +5853,9 @@
           <p:txBody>
             <a:bodyPr/>
             <a:lstStyle/>
-            <a:p/>
+            <a:p>
+              <a:endParaRPr/>
+            </a:p>
           </p:txBody>
         </p:sp>
         <p:sp>
@@ -5739,7 +5890,9 @@
           <p:txBody>
             <a:bodyPr/>
             <a:lstStyle/>
-            <a:p/>
+            <a:p>
+              <a:endParaRPr/>
+            </a:p>
           </p:txBody>
         </p:sp>
         <p:sp>
@@ -5774,7 +5927,9 @@
           <p:txBody>
             <a:bodyPr/>
             <a:lstStyle/>
-            <a:p/>
+            <a:p>
+              <a:endParaRPr/>
+            </a:p>
           </p:txBody>
         </p:sp>
         <p:sp>
@@ -5809,7 +5964,9 @@
           <p:txBody>
             <a:bodyPr/>
             <a:lstStyle/>
-            <a:p/>
+            <a:p>
+              <a:endParaRPr/>
+            </a:p>
           </p:txBody>
         </p:sp>
         <p:sp>
@@ -5844,7 +6001,9 @@
           <p:txBody>
             <a:bodyPr/>
             <a:lstStyle/>
-            <a:p/>
+            <a:p>
+              <a:endParaRPr/>
+            </a:p>
           </p:txBody>
         </p:sp>
         <p:sp>
@@ -5879,7 +6038,9 @@
           <p:txBody>
             <a:bodyPr/>
             <a:lstStyle/>
-            <a:p/>
+            <a:p>
+              <a:endParaRPr/>
+            </a:p>
           </p:txBody>
         </p:sp>
         <p:sp>
@@ -5914,7 +6075,9 @@
           <p:txBody>
             <a:bodyPr/>
             <a:lstStyle/>
-            <a:p/>
+            <a:p>
+              <a:endParaRPr/>
+            </a:p>
           </p:txBody>
         </p:sp>
         <p:sp>
@@ -5949,7 +6112,9 @@
           <p:txBody>
             <a:bodyPr/>
             <a:lstStyle/>
-            <a:p/>
+            <a:p>
+              <a:endParaRPr/>
+            </a:p>
           </p:txBody>
         </p:sp>
         <p:sp>
@@ -5984,7 +6149,9 @@
           <p:txBody>
             <a:bodyPr/>
             <a:lstStyle/>
-            <a:p/>
+            <a:p>
+              <a:endParaRPr/>
+            </a:p>
           </p:txBody>
         </p:sp>
         <p:sp>
@@ -6019,7 +6186,9 @@
           <p:txBody>
             <a:bodyPr/>
             <a:lstStyle/>
-            <a:p/>
+            <a:p>
+              <a:endParaRPr/>
+            </a:p>
           </p:txBody>
         </p:sp>
         <p:sp>
@@ -6054,7 +6223,9 @@
           <p:txBody>
             <a:bodyPr/>
             <a:lstStyle/>
-            <a:p/>
+            <a:p>
+              <a:endParaRPr/>
+            </a:p>
           </p:txBody>
         </p:sp>
         <p:sp>
@@ -6089,7 +6260,9 @@
           <p:txBody>
             <a:bodyPr/>
             <a:lstStyle/>
-            <a:p/>
+            <a:p>
+              <a:endParaRPr/>
+            </a:p>
           </p:txBody>
         </p:sp>
         <p:sp>
@@ -6124,7 +6297,9 @@
           <p:txBody>
             <a:bodyPr/>
             <a:lstStyle/>
-            <a:p/>
+            <a:p>
+              <a:endParaRPr/>
+            </a:p>
           </p:txBody>
         </p:sp>
         <p:sp>
@@ -6159,7 +6334,9 @@
           <p:txBody>
             <a:bodyPr/>
             <a:lstStyle/>
-            <a:p/>
+            <a:p>
+              <a:endParaRPr/>
+            </a:p>
           </p:txBody>
         </p:sp>
         <p:sp>
@@ -6179,10 +6356,10 @@
             <a:noFill/>
           </p:spPr>
           <p:txBody>
-            <a:bodyPr lIns="0" rIns="0" tIns="0" bIns="0" anchorCtr="1" anchor="ctr" wrap="none"/>
-            <a:lstStyle/>
-            <a:p>
-              <a:pPr algn="l" marL="0" marR="0" indent="0">
+            <a:bodyPr wrap="none" lIns="0" tIns="0" rIns="0" bIns="0" anchor="ctr" anchorCtr="1"/>
+            <a:lstStyle/>
+            <a:p>
+              <a:pPr marL="0" marR="0" indent="0" algn="l">
                 <a:lnSpc>
                   <a:spcPts val="1400"/>
                 </a:lnSpc>
@@ -6225,10 +6402,10 @@
             <a:noFill/>
           </p:spPr>
           <p:txBody>
-            <a:bodyPr lIns="0" rIns="0" tIns="0" bIns="0" anchorCtr="1" anchor="ctr" wrap="none"/>
-            <a:lstStyle/>
-            <a:p>
-              <a:pPr algn="l" marL="0" marR="0" indent="0">
+            <a:bodyPr wrap="none" lIns="0" tIns="0" rIns="0" bIns="0" anchor="ctr" anchorCtr="1"/>
+            <a:lstStyle/>
+            <a:p>
+              <a:pPr marL="0" marR="0" indent="0" algn="l">
                 <a:lnSpc>
                   <a:spcPts val="1400"/>
                 </a:lnSpc>
@@ -6271,10 +6448,10 @@
             <a:noFill/>
           </p:spPr>
           <p:txBody>
-            <a:bodyPr lIns="0" rIns="0" tIns="0" bIns="0" anchorCtr="1" anchor="ctr" wrap="none"/>
-            <a:lstStyle/>
-            <a:p>
-              <a:pPr algn="l" marL="0" marR="0" indent="0">
+            <a:bodyPr wrap="none" lIns="0" tIns="0" rIns="0" bIns="0" anchor="ctr" anchorCtr="1"/>
+            <a:lstStyle/>
+            <a:p>
+              <a:pPr marL="0" marR="0" indent="0" algn="l">
                 <a:lnSpc>
                   <a:spcPts val="1400"/>
                 </a:lnSpc>
@@ -6317,10 +6494,10 @@
             <a:noFill/>
           </p:spPr>
           <p:txBody>
-            <a:bodyPr lIns="0" rIns="0" tIns="0" bIns="0" anchorCtr="1" anchor="ctr" wrap="none"/>
-            <a:lstStyle/>
-            <a:p>
-              <a:pPr algn="l" marL="0" marR="0" indent="0">
+            <a:bodyPr wrap="none" lIns="0" tIns="0" rIns="0" bIns="0" anchor="ctr" anchorCtr="1"/>
+            <a:lstStyle/>
+            <a:p>
+              <a:pPr marL="0" marR="0" indent="0" algn="l">
                 <a:lnSpc>
                   <a:spcPts val="1400"/>
                 </a:lnSpc>
@@ -6363,10 +6540,10 @@
             <a:noFill/>
           </p:spPr>
           <p:txBody>
-            <a:bodyPr lIns="0" rIns="0" tIns="0" bIns="0" anchorCtr="1" anchor="ctr" wrap="none"/>
-            <a:lstStyle/>
-            <a:p>
-              <a:pPr algn="l" marL="0" marR="0" indent="0">
+            <a:bodyPr wrap="none" lIns="0" tIns="0" rIns="0" bIns="0" anchor="ctr" anchorCtr="1"/>
+            <a:lstStyle/>
+            <a:p>
+              <a:pPr marL="0" marR="0" indent="0" algn="l">
                 <a:lnSpc>
                   <a:spcPts val="1400"/>
                 </a:lnSpc>
@@ -6409,10 +6586,10 @@
             <a:noFill/>
           </p:spPr>
           <p:txBody>
-            <a:bodyPr lIns="0" rIns="0" tIns="0" bIns="0" anchorCtr="1" anchor="ctr" wrap="none"/>
-            <a:lstStyle/>
-            <a:p>
-              <a:pPr algn="l" marL="0" marR="0" indent="0">
+            <a:bodyPr wrap="none" lIns="0" tIns="0" rIns="0" bIns="0" anchor="ctr" anchorCtr="1"/>
+            <a:lstStyle/>
+            <a:p>
+              <a:pPr marL="0" marR="0" indent="0" algn="l">
                 <a:lnSpc>
                   <a:spcPts val="1400"/>
                 </a:lnSpc>
@@ -6455,10 +6632,10 @@
             <a:noFill/>
           </p:spPr>
           <p:txBody>
-            <a:bodyPr lIns="0" rIns="0" tIns="0" bIns="0" anchorCtr="1" anchor="ctr" wrap="none"/>
-            <a:lstStyle/>
-            <a:p>
-              <a:pPr algn="l" marL="0" marR="0" indent="0">
+            <a:bodyPr wrap="none" lIns="0" tIns="0" rIns="0" bIns="0" anchor="ctr" anchorCtr="1"/>
+            <a:lstStyle/>
+            <a:p>
+              <a:pPr marL="0" marR="0" indent="0" algn="l">
                 <a:lnSpc>
                   <a:spcPts val="1400"/>
                 </a:lnSpc>
@@ -6501,10 +6678,10 @@
             <a:noFill/>
           </p:spPr>
           <p:txBody>
-            <a:bodyPr lIns="0" rIns="0" tIns="0" bIns="0" anchorCtr="1" anchor="ctr" wrap="none"/>
-            <a:lstStyle/>
-            <a:p>
-              <a:pPr algn="l" marL="0" marR="0" indent="0">
+            <a:bodyPr wrap="none" lIns="0" tIns="0" rIns="0" bIns="0" anchor="ctr" anchorCtr="1"/>
+            <a:lstStyle/>
+            <a:p>
+              <a:pPr marL="0" marR="0" indent="0" algn="l">
                 <a:lnSpc>
                   <a:spcPts val="1400"/>
                 </a:lnSpc>
@@ -6547,10 +6724,10 @@
             <a:noFill/>
           </p:spPr>
           <p:txBody>
-            <a:bodyPr lIns="0" rIns="0" tIns="0" bIns="0" anchorCtr="1" anchor="ctr" wrap="none"/>
-            <a:lstStyle/>
-            <a:p>
-              <a:pPr algn="l" marL="0" marR="0" indent="0">
+            <a:bodyPr wrap="none" lIns="0" tIns="0" rIns="0" bIns="0" anchor="ctr" anchorCtr="1"/>
+            <a:lstStyle/>
+            <a:p>
+              <a:pPr marL="0" marR="0" indent="0" algn="l">
                 <a:lnSpc>
                   <a:spcPts val="1400"/>
                 </a:lnSpc>
@@ -6584,8 +6761,8 @@
           </p:nvSpPr>
           <p:spPr>
             <a:xfrm>
-              <a:off x="4123262" y="1301092"/>
-              <a:ext cx="2769989" cy="166489"/>
+              <a:off x="5452593" y="853281"/>
+              <a:ext cx="3649138" cy="454348"/>
             </a:xfrm>
             <a:prstGeom prst="rect">
               <a:avLst/>
@@ -6593,10 +6770,10 @@
             <a:noFill/>
           </p:spPr>
           <p:txBody>
-            <a:bodyPr lIns="0" rIns="0" tIns="0" bIns="0" anchorCtr="1" anchor="ctr" wrap="none"/>
-            <a:lstStyle/>
-            <a:p>
-              <a:pPr algn="l" marL="0" marR="0" indent="0">
+            <a:bodyPr wrap="none" lIns="0" tIns="0" rIns="0" bIns="0" anchor="ctr" anchorCtr="1"/>
+            <a:lstStyle/>
+            <a:p>
+              <a:pPr marL="0" marR="0" indent="0" algn="l">
                 <a:lnSpc>
                   <a:spcPts val="1800"/>
                 </a:lnSpc>
@@ -6608,7 +6785,7 @@
                 </a:spcAft>
               </a:pPr>
               <a:r>
-                <a:rPr sz="1800">
+                <a:rPr sz="2800" dirty="0">
                   <a:solidFill>
                     <a:srgbClr val="000000">
                       <a:alpha val="100000"/>
@@ -6623,6 +6800,110 @@
           </p:txBody>
         </p:sp>
       </p:grpSp>
+      <p:sp>
+        <p:nvSpPr>
+          <p:cNvPr id="92" name="pl38">
+            <a:extLst>
+              <a:ext uri="{FF2B5EF4-FFF2-40B4-BE49-F238E27FC236}">
+                <a16:creationId xmlns:a16="http://schemas.microsoft.com/office/drawing/2014/main" id="{577FC63D-D8FF-9948-B51E-1F22FD670FA1}"/>
+              </a:ext>
+            </a:extLst>
+          </p:cNvPr>
+          <p:cNvSpPr/>
+          <p:nvPr/>
+        </p:nvSpPr>
+        <p:spPr>
+          <a:xfrm rot="5400000" flipH="1">
+            <a:off x="6983650" y="2572182"/>
+            <a:ext cx="45719" cy="5660477"/>
+          </a:xfrm>
+          <a:custGeom>
+            <a:avLst/>
+            <a:gdLst/>
+            <a:ahLst/>
+            <a:cxnLst/>
+            <a:rect l="0" t="0" r="0" b="0"/>
+            <a:pathLst>
+              <a:path h="3417919">
+                <a:moveTo>
+                  <a:pt x="0" y="3417919"/>
+                </a:moveTo>
+                <a:lnTo>
+                  <a:pt x="0" y="0"/>
+                </a:lnTo>
+              </a:path>
+            </a:pathLst>
+          </a:custGeom>
+          <a:ln w="13550" cap="flat">
+            <a:solidFill>
+              <a:srgbClr val="000000">
+                <a:alpha val="100000"/>
+              </a:srgbClr>
+            </a:solidFill>
+            <a:prstDash val="solid"/>
+            <a:round/>
+          </a:ln>
+        </p:spPr>
+        <p:txBody>
+          <a:bodyPr/>
+          <a:lstStyle/>
+          <a:p>
+            <a:endParaRPr/>
+          </a:p>
+        </p:txBody>
+      </p:sp>
+      <p:sp>
+        <p:nvSpPr>
+          <p:cNvPr id="93" name="pl38">
+            <a:extLst>
+              <a:ext uri="{FF2B5EF4-FFF2-40B4-BE49-F238E27FC236}">
+                <a16:creationId xmlns:a16="http://schemas.microsoft.com/office/drawing/2014/main" id="{DC7CD5F9-F29E-C041-8489-4E714D149A6B}"/>
+              </a:ext>
+            </a:extLst>
+          </p:cNvPr>
+          <p:cNvSpPr/>
+          <p:nvPr/>
+        </p:nvSpPr>
+        <p:spPr>
+          <a:xfrm rot="5400000" flipH="1">
+            <a:off x="6998379" y="-1039698"/>
+            <a:ext cx="45719" cy="5660477"/>
+          </a:xfrm>
+          <a:custGeom>
+            <a:avLst/>
+            <a:gdLst/>
+            <a:ahLst/>
+            <a:cxnLst/>
+            <a:rect l="0" t="0" r="0" b="0"/>
+            <a:pathLst>
+              <a:path h="3417919">
+                <a:moveTo>
+                  <a:pt x="0" y="3417919"/>
+                </a:moveTo>
+                <a:lnTo>
+                  <a:pt x="0" y="0"/>
+                </a:lnTo>
+              </a:path>
+            </a:pathLst>
+          </a:custGeom>
+          <a:ln w="13550" cap="flat">
+            <a:solidFill>
+              <a:srgbClr val="000000">
+                <a:alpha val="100000"/>
+              </a:srgbClr>
+            </a:solidFill>
+            <a:prstDash val="solid"/>
+            <a:round/>
+          </a:ln>
+        </p:spPr>
+        <p:txBody>
+          <a:bodyPr/>
+          <a:lstStyle/>
+          <a:p>
+            <a:endParaRPr/>
+          </a:p>
+        </p:txBody>
+      </p:sp>
     </p:spTree>
   </p:cSld>
   <p:clrMapOvr>
